--- a/assign2.pptx
+++ b/assign2.pptx
@@ -3451,8 +3451,12 @@
               <a:rPr kumimoji="1" lang="en-US" altLang="zh-TW" dirty="0" smtClean="0"/>
             </a:br>
             <a:r>
-              <a:rPr kumimoji="1" lang="en-US" altLang="zh-TW" dirty="0" smtClean="0"/>
-              <a:t>notice</a:t>
+              <a:rPr kumimoji="1" lang="en-US" altLang="zh-TW" dirty="0"/>
+              <a:t>N</a:t>
+            </a:r>
+            <a:r>
+              <a:rPr kumimoji="1" lang="en-US" altLang="zh-TW" dirty="0" smtClean="0"/>
+              <a:t>otice</a:t>
             </a:r>
             <a:r>
               <a:rPr kumimoji="1" lang="zh-TW" altLang="en-US" dirty="0" smtClean="0"/>
@@ -3460,7 +3464,7 @@
             </a:r>
             <a:r>
               <a:rPr kumimoji="1" lang="en-US" altLang="zh-TW" dirty="0" smtClean="0"/>
-              <a:t>direction</a:t>
+              <a:t>direction!</a:t>
             </a:r>
             <a:endParaRPr kumimoji="1" lang="zh-TW" altLang="en-US" dirty="0"/>
           </a:p>
@@ -3639,7 +3643,7 @@
         </p:nvSpPr>
         <p:spPr>
           <a:xfrm>
-            <a:off x="2286000" y="4834385"/>
+            <a:off x="2286000" y="5244783"/>
             <a:ext cx="5588000" cy="1200329"/>
           </a:xfrm>
           <a:prstGeom prst="rect">
@@ -3654,8 +3658,13 @@
           <a:p>
             <a:r>
               <a:rPr lang="en-US" altLang="zh-TW" dirty="0" smtClean="0"/>
-              <a:t>if hit, you should do:</a:t>
-            </a:r>
+              <a:t>if hit, you should do</a:t>
+            </a:r>
+            <a:r>
+              <a:rPr lang="en-US" altLang="zh-TW" dirty="0" smtClean="0"/>
+              <a:t>:</a:t>
+            </a:r>
+            <a:endParaRPr lang="en-US" altLang="zh-TW" dirty="0" smtClean="0"/>
           </a:p>
           <a:p>
             <a:r>
@@ -3712,8 +3721,28 @@
                 <a:latin typeface="Courier New"/>
                 <a:cs typeface="Courier New"/>
               </a:rPr>
-              <a:t>);</a:t>
-            </a:r>
+              <a:t>)</a:t>
+            </a:r>
+            <a:r>
+              <a:rPr lang="en-US" altLang="zh-TW" dirty="0" smtClean="0">
+                <a:latin typeface="Courier New"/>
+                <a:cs typeface="Courier New"/>
+              </a:rPr>
+              <a:t>;</a:t>
+            </a:r>
+          </a:p>
+          <a:p>
+            <a:r>
+              <a:rPr lang="en-US" altLang="zh-TW" dirty="0" smtClean="0">
+                <a:latin typeface="Courier New"/>
+                <a:cs typeface="Courier New"/>
+              </a:rPr>
+              <a:t>life--;</a:t>
+            </a:r>
+            <a:endParaRPr lang="en-US" altLang="zh-TW" dirty="0">
+              <a:latin typeface="Courier New"/>
+              <a:cs typeface="Courier New"/>
+            </a:endParaRPr>
           </a:p>
           <a:p>
             <a:r>
@@ -3735,51 +3764,7 @@
                 <a:latin typeface="Courier New"/>
                 <a:cs typeface="Courier New"/>
               </a:rPr>
-              <a:t>= FROG_DIE</a:t>
-            </a:r>
-            <a:r>
-              <a:rPr lang="en-US" altLang="zh-TW" dirty="0" smtClean="0">
-                <a:latin typeface="Courier New"/>
-                <a:cs typeface="Courier New"/>
-              </a:rPr>
-              <a:t>;</a:t>
-            </a:r>
-          </a:p>
-          <a:p>
-            <a:r>
-              <a:rPr lang="en-US" altLang="zh-TW" dirty="0" smtClean="0">
-                <a:latin typeface="Courier New"/>
-                <a:cs typeface="Courier New"/>
-              </a:rPr>
-              <a:t>i</a:t>
-            </a:r>
-            <a:r>
-              <a:rPr lang="en-US" altLang="zh-TW" dirty="0" smtClean="0">
-                <a:latin typeface="Courier New"/>
-                <a:cs typeface="Courier New"/>
-              </a:rPr>
-              <a:t>nterval=</a:t>
-            </a:r>
-            <a:r>
-              <a:rPr lang="zh-TW" altLang="en-US" dirty="0" smtClean="0">
-                <a:latin typeface="Courier New"/>
-                <a:cs typeface="Courier New"/>
-              </a:rPr>
-              <a:t> </a:t>
-            </a:r>
-            <a:r>
-              <a:rPr lang="en-US" altLang="zh-TW" dirty="0" err="1" smtClean="0">
-                <a:latin typeface="Courier New"/>
-                <a:cs typeface="Courier New"/>
-              </a:rPr>
-              <a:t>millis</a:t>
-            </a:r>
-            <a:r>
-              <a:rPr lang="en-US" altLang="zh-TW" smtClean="0">
-                <a:latin typeface="Courier New"/>
-                <a:cs typeface="Courier New"/>
-              </a:rPr>
-              <a:t>();</a:t>
+              <a:t>= FROG_DIE;</a:t>
             </a:r>
             <a:endParaRPr lang="zh-TW" altLang="en-US" dirty="0">
               <a:latin typeface="Courier New"/>
@@ -4088,7 +4073,7 @@
         <p:spPr>
           <a:xfrm>
             <a:off x="802106" y="1417638"/>
-            <a:ext cx="4117474" cy="923330"/>
+            <a:ext cx="4117474" cy="1200329"/>
           </a:xfrm>
           <a:prstGeom prst="rect">
             <a:avLst/>
@@ -4102,8 +4087,43 @@
           <a:lstStyle/>
           <a:p>
             <a:r>
-              <a:rPr kumimoji="1" lang="en-US" altLang="zh-TW" dirty="0" smtClean="0"/>
-              <a:t>Image(</a:t>
+              <a:rPr kumimoji="1" lang="zh-TW" altLang="en-US" dirty="0"/>
+              <a:t>將</a:t>
+            </a:r>
+            <a:r>
+              <a:rPr kumimoji="1" lang="en-US" altLang="zh-TW" dirty="0" err="1"/>
+              <a:t>img</a:t>
+            </a:r>
+            <a:r>
+              <a:rPr kumimoji="1" lang="zh-TW" altLang="en-US" dirty="0"/>
+              <a:t>呈現在（</a:t>
+            </a:r>
+            <a:r>
+              <a:rPr kumimoji="1" lang="en-US" altLang="zh-TW" dirty="0"/>
+              <a:t>X,Y</a:t>
+            </a:r>
+            <a:r>
+              <a:rPr kumimoji="1" lang="zh-TW" altLang="en-US" dirty="0"/>
+              <a:t>）的位</a:t>
+            </a:r>
+            <a:r>
+              <a:rPr kumimoji="1" lang="zh-TW" altLang="en-US" dirty="0" smtClean="0"/>
+              <a:t>置</a:t>
+            </a:r>
+            <a:endParaRPr kumimoji="1" lang="en-US" altLang="zh-TW" dirty="0" smtClean="0"/>
+          </a:p>
+          <a:p>
+            <a:r>
+              <a:rPr kumimoji="1" lang="en-US" altLang="zh-TW" dirty="0"/>
+              <a:t>i</a:t>
+            </a:r>
+            <a:r>
+              <a:rPr kumimoji="1" lang="en-US" altLang="zh-TW" dirty="0" smtClean="0"/>
+              <a:t>mage</a:t>
+            </a:r>
+            <a:r>
+              <a:rPr kumimoji="1" lang="en-US" altLang="zh-TW" dirty="0" smtClean="0"/>
+              <a:t>(</a:t>
             </a:r>
             <a:r>
               <a:rPr kumimoji="1" lang="en-US" altLang="zh-TW" dirty="0" err="1" smtClean="0"/>
@@ -4155,34 +4175,89 @@
             </a:r>
             <a:r>
               <a:rPr kumimoji="1" lang="en-US" altLang="zh-TW" dirty="0" smtClean="0"/>
-              <a:t>y);</a:t>
-            </a:r>
-          </a:p>
-          <a:p>
-            <a:endParaRPr kumimoji="1" lang="en-US" altLang="zh-TW" dirty="0"/>
-          </a:p>
-          <a:p>
+              <a:t>y)</a:t>
+            </a:r>
+            <a:r>
+              <a:rPr kumimoji="1" lang="en-US" altLang="zh-TW" dirty="0" smtClean="0"/>
+              <a:t>;</a:t>
+            </a:r>
+          </a:p>
+          <a:p>
+            <a:r>
+              <a:rPr kumimoji="1" lang="en-US" altLang="zh-TW" dirty="0" smtClean="0"/>
+              <a:t>e.g.  </a:t>
+            </a:r>
+            <a:r>
+              <a:rPr kumimoji="1" lang="en-US" altLang="zh-TW" dirty="0"/>
+              <a:t>image(</a:t>
+            </a:r>
+            <a:r>
+              <a:rPr kumimoji="1" lang="en-US" altLang="zh-TW" dirty="0" err="1"/>
+              <a:t>imgDeadFrog</a:t>
+            </a:r>
+            <a:r>
+              <a:rPr kumimoji="1" lang="en-US" altLang="zh-TW" dirty="0"/>
+              <a:t>, </a:t>
+            </a:r>
+            <a:r>
+              <a:rPr kumimoji="1" lang="en-US" altLang="zh-TW" dirty="0" err="1"/>
+              <a:t>frogX</a:t>
+            </a:r>
+            <a:r>
+              <a:rPr kumimoji="1" lang="en-US" altLang="zh-TW" dirty="0"/>
+              <a:t>, </a:t>
+            </a:r>
+            <a:r>
+              <a:rPr kumimoji="1" lang="en-US" altLang="zh-TW" dirty="0" err="1"/>
+              <a:t>frogY</a:t>
+            </a:r>
+            <a:r>
+              <a:rPr kumimoji="1" lang="en-US" altLang="zh-TW" dirty="0"/>
+              <a:t>)</a:t>
+            </a:r>
+            <a:r>
+              <a:rPr kumimoji="1" lang="en-US" altLang="zh-TW" dirty="0" smtClean="0"/>
+              <a:t>;</a:t>
+            </a:r>
+          </a:p>
+          <a:p>
+            <a:r>
+              <a:rPr kumimoji="1" lang="en-US" altLang="zh-TW" dirty="0"/>
+              <a:t> </a:t>
+            </a:r>
+            <a:r>
+              <a:rPr kumimoji="1" lang="en-US" altLang="zh-TW" dirty="0" smtClean="0"/>
+              <a:t>       // </a:t>
+            </a:r>
             <a:r>
               <a:rPr kumimoji="1" lang="zh-TW" altLang="en-US" dirty="0" smtClean="0"/>
-              <a:t>將</a:t>
+              <a:t>在</a:t>
+            </a:r>
+            <a:r>
+              <a:rPr kumimoji="1" lang="en-US" altLang="zh-TW" dirty="0" smtClean="0"/>
+              <a:t> </a:t>
             </a:r>
             <a:r>
               <a:rPr kumimoji="1" lang="en-US" altLang="zh-TW" dirty="0" err="1" smtClean="0"/>
-              <a:t>img</a:t>
+              <a:t>frogX</a:t>
+            </a:r>
+            <a:r>
+              <a:rPr kumimoji="1" lang="en-US" altLang="zh-TW" dirty="0" smtClean="0"/>
+              <a:t>, </a:t>
+            </a:r>
+            <a:r>
+              <a:rPr kumimoji="1" lang="en-US" altLang="zh-TW" dirty="0" err="1" smtClean="0"/>
+              <a:t>frogY</a:t>
+            </a:r>
+            <a:r>
+              <a:rPr kumimoji="1" lang="en-US" altLang="zh-TW" dirty="0" smtClean="0"/>
+              <a:t> </a:t>
             </a:r>
             <a:r>
               <a:rPr kumimoji="1" lang="zh-TW" altLang="en-US" dirty="0" smtClean="0"/>
-              <a:t>呈現在（</a:t>
-            </a:r>
-            <a:r>
-              <a:rPr kumimoji="1" lang="en-US" altLang="zh-TW" dirty="0" smtClean="0"/>
-              <a:t>X,Y</a:t>
-            </a:r>
-            <a:r>
-              <a:rPr kumimoji="1" lang="zh-TW" altLang="en-US" dirty="0" smtClean="0"/>
-              <a:t>）的位置</a:t>
-            </a:r>
-            <a:endParaRPr kumimoji="1" lang="zh-TW" altLang="en-US" dirty="0"/>
+              <a:t>顯示被撞死的青蛙</a:t>
+            </a:r>
+            <a:endParaRPr kumimoji="1" lang="en-US" altLang="zh-TW" dirty="0" smtClean="0"/>
           </a:p>
         </p:txBody>
       </p:sp>
@@ -4194,7 +4269,7 @@
         </p:nvSpPr>
         <p:spPr>
           <a:xfrm>
-            <a:off x="802106" y="2407810"/>
+            <a:off x="922422" y="2807688"/>
             <a:ext cx="2593473" cy="3416320"/>
           </a:xfrm>
           <a:prstGeom prst="rect">
@@ -4210,11 +4285,19 @@
           <a:p>
             <a:r>
               <a:rPr kumimoji="1" lang="zh-TW" altLang="en-US" dirty="0" smtClean="0"/>
-              <a:t>全部可能會用到的</a:t>
-            </a:r>
-            <a:r>
-              <a:rPr kumimoji="1" lang="en-US" altLang="zh-TW" dirty="0" err="1" smtClean="0"/>
-              <a:t>img</a:t>
+              <a:t>遊戲中</a:t>
+            </a:r>
+            <a:r>
+              <a:rPr kumimoji="1" lang="zh-TW" altLang="en-US" dirty="0" smtClean="0"/>
+              <a:t>會</a:t>
+            </a:r>
+            <a:r>
+              <a:rPr kumimoji="1" lang="zh-TW" altLang="en-US" dirty="0" smtClean="0"/>
+              <a:t>用到的</a:t>
+            </a:r>
+            <a:r>
+              <a:rPr kumimoji="1" lang="en-US" altLang="zh-TW" dirty="0" smtClean="0"/>
+              <a:t>image</a:t>
             </a:r>
             <a:r>
               <a:rPr kumimoji="1" lang="en-US" altLang="zh-TW" dirty="0" smtClean="0"/>
@@ -4265,8 +4348,8 @@
           </a:p>
           <a:p>
             <a:r>
-              <a:rPr kumimoji="1" lang="en-US" altLang="zh-TW" dirty="0" err="1" smtClean="0"/>
-              <a:t>imgWinFrog</a:t>
+              <a:rPr kumimoji="1" lang="en-US" altLang="zh-TW" dirty="0" err="1"/>
+              <a:t>imgFrog</a:t>
             </a:r>
             <a:endParaRPr kumimoji="1" lang="en-US" altLang="zh-TW" dirty="0" smtClean="0"/>
           </a:p>
@@ -4275,8 +4358,8 @@
           </a:p>
           <a:p>
             <a:r>
-              <a:rPr kumimoji="1" lang="en-US" altLang="zh-TW" dirty="0" err="1" smtClean="0"/>
-              <a:t>imgLoseFrog</a:t>
+              <a:rPr kumimoji="1" lang="en-US" altLang="zh-TW" dirty="0" err="1"/>
+              <a:t>imgDeadFrog</a:t>
             </a:r>
             <a:endParaRPr kumimoji="1" lang="zh-TW" altLang="en-US" dirty="0"/>
           </a:p>
@@ -4304,7 +4387,7 @@
         </p:blipFill>
         <p:spPr>
           <a:xfrm>
-            <a:off x="4919580" y="2713789"/>
+            <a:off x="2232528" y="3113667"/>
             <a:ext cx="406400" cy="406400"/>
           </a:xfrm>
           <a:prstGeom prst="rect">
@@ -4334,7 +4417,7 @@
         </p:blipFill>
         <p:spPr>
           <a:xfrm>
-            <a:off x="4919580" y="3251200"/>
+            <a:off x="2232528" y="3651078"/>
             <a:ext cx="406400" cy="406400"/>
           </a:xfrm>
           <a:prstGeom prst="rect">
@@ -4364,7 +4447,7 @@
         </p:blipFill>
         <p:spPr>
           <a:xfrm>
-            <a:off x="4919580" y="3767221"/>
+            <a:off x="2435728" y="4167099"/>
             <a:ext cx="406400" cy="406400"/>
           </a:xfrm>
           <a:prstGeom prst="rect">
@@ -4394,7 +4477,7 @@
         </p:blipFill>
         <p:spPr>
           <a:xfrm>
-            <a:off x="4919580" y="4342064"/>
+            <a:off x="2435728" y="4741942"/>
             <a:ext cx="406400" cy="406400"/>
           </a:xfrm>
           <a:prstGeom prst="rect">
@@ -4424,8 +4507,8 @@
         </p:blipFill>
         <p:spPr>
           <a:xfrm>
-            <a:off x="4803607" y="4858590"/>
-            <a:ext cx="1461837" cy="1196636"/>
+            <a:off x="6265444" y="2115471"/>
+            <a:ext cx="2168062" cy="1774740"/>
           </a:xfrm>
           <a:prstGeom prst="rect">
             <a:avLst/>
@@ -4454,8 +4537,68 @@
         </p:blipFill>
         <p:spPr>
           <a:xfrm>
-            <a:off x="6445996" y="4748464"/>
+            <a:off x="6265444" y="4748464"/>
             <a:ext cx="2417267" cy="1374705"/>
+          </a:xfrm>
+          <a:prstGeom prst="rect">
+            <a:avLst/>
+          </a:prstGeom>
+        </p:spPr>
+      </p:pic>
+      <p:pic>
+        <p:nvPicPr>
+          <p:cNvPr id="9" name="圖片 8" descr="frog.png"/>
+          <p:cNvPicPr>
+            <a:picLocks noChangeAspect="1"/>
+          </p:cNvPicPr>
+          <p:nvPr/>
+        </p:nvPicPr>
+        <p:blipFill>
+          <a:blip r:embed="rId8">
+            <a:extLst>
+              <a:ext uri="{28A0092B-C50C-407E-A947-70E740481C1C}">
+                <a14:useLocalDpi xmlns:a14="http://schemas.microsoft.com/office/drawing/2010/main" val="0"/>
+              </a:ext>
+            </a:extLst>
+          </a:blip>
+          <a:stretch>
+            <a:fillRect/>
+          </a:stretch>
+        </p:blipFill>
+        <p:spPr>
+          <a:xfrm>
+            <a:off x="1826128" y="5290046"/>
+            <a:ext cx="406400" cy="406400"/>
+          </a:xfrm>
+          <a:prstGeom prst="rect">
+            <a:avLst/>
+          </a:prstGeom>
+        </p:spPr>
+      </p:pic>
+      <p:pic>
+        <p:nvPicPr>
+          <p:cNvPr id="10" name="圖片 9" descr="deadFrog.png"/>
+          <p:cNvPicPr>
+            <a:picLocks noChangeAspect="1"/>
+          </p:cNvPicPr>
+          <p:nvPr/>
+        </p:nvPicPr>
+        <p:blipFill>
+          <a:blip r:embed="rId9">
+            <a:extLst>
+              <a:ext uri="{28A0092B-C50C-407E-A947-70E740481C1C}">
+                <a14:useLocalDpi xmlns:a14="http://schemas.microsoft.com/office/drawing/2010/main" val="0"/>
+              </a:ext>
+            </a:extLst>
+          </a:blip>
+          <a:stretch>
+            <a:fillRect/>
+          </a:stretch>
+        </p:blipFill>
+        <p:spPr>
+          <a:xfrm>
+            <a:off x="2435728" y="5817608"/>
+            <a:ext cx="406400" cy="406400"/>
           </a:xfrm>
           <a:prstGeom prst="rect">
             <a:avLst/>
@@ -4727,10 +4870,15 @@
             <p:ph idx="1"/>
           </p:nvPr>
         </p:nvSpPr>
-        <p:spPr/>
+        <p:spPr>
+          <a:xfrm>
+            <a:off x="457200" y="1600199"/>
+            <a:ext cx="8229600" cy="5164221"/>
+          </a:xfrm>
+        </p:spPr>
         <p:txBody>
           <a:bodyPr>
-            <a:normAutofit fontScale="92500" lnSpcReduction="20000"/>
+            <a:normAutofit fontScale="85000" lnSpcReduction="20000"/>
           </a:bodyPr>
           <a:lstStyle/>
           <a:p>
@@ -4746,6 +4894,32 @@
               <a:rPr kumimoji="1" lang="en-US" altLang="zh-TW" dirty="0" smtClean="0"/>
               <a:t>C:</a:t>
             </a:r>
+          </a:p>
+          <a:p>
+            <a:pPr marL="534988" indent="-534988">
+              <a:buNone/>
+            </a:pPr>
+            <a:r>
+              <a:rPr kumimoji="1" lang="zh-TW" altLang="en-US" dirty="0" smtClean="0"/>
+              <a:t>    </a:t>
+            </a:r>
+            <a:r>
+              <a:rPr kumimoji="1" lang="en-US" altLang="zh-TW" dirty="0" smtClean="0"/>
+              <a:t>1.</a:t>
+            </a:r>
+            <a:r>
+              <a:rPr kumimoji="1" lang="zh-TW" altLang="en-US" dirty="0" smtClean="0"/>
+              <a:t>使用方向鍵控制青蛙上下左右移</a:t>
+            </a:r>
+            <a:r>
+              <a:rPr kumimoji="1" lang="zh-TW" altLang="en-US" dirty="0" smtClean="0"/>
+              <a:t>動</a:t>
+            </a:r>
+            <a:r>
+              <a:rPr kumimoji="1" lang="zh-TW" altLang="en-US" dirty="0" smtClean="0"/>
+              <a:t>，但不能移出螢幕外。</a:t>
+            </a:r>
+            <a:endParaRPr kumimoji="1" lang="en-US" altLang="zh-TW" dirty="0" smtClean="0"/>
           </a:p>
           <a:p>
             <a:pPr marL="0" indent="0">
@@ -4757,29 +4931,19 @@
             </a:r>
             <a:r>
               <a:rPr kumimoji="1" lang="en-US" altLang="zh-TW" dirty="0" smtClean="0"/>
-              <a:t>1.</a:t>
+              <a:t>2.</a:t>
             </a:r>
             <a:r>
               <a:rPr kumimoji="1" lang="zh-TW" altLang="en-US" dirty="0" smtClean="0"/>
-              <a:t>使用方向鍵控制青蛙上下左右移動</a:t>
-            </a:r>
-            <a:endParaRPr kumimoji="1" lang="en-US" altLang="zh-TW" dirty="0" smtClean="0"/>
-          </a:p>
-          <a:p>
-            <a:pPr marL="0" indent="0">
-              <a:buNone/>
-            </a:pPr>
+              <a:t>所有車子能向指定方向移</a:t>
+            </a:r>
             <a:r>
               <a:rPr kumimoji="1" lang="zh-TW" altLang="en-US" dirty="0" smtClean="0"/>
-              <a:t>    </a:t>
-            </a:r>
-            <a:r>
-              <a:rPr kumimoji="1" lang="en-US" altLang="zh-TW" dirty="0" smtClean="0"/>
-              <a:t>2.</a:t>
+              <a:t>動</a:t>
             </a:r>
             <a:r>
               <a:rPr kumimoji="1" lang="zh-TW" altLang="en-US" dirty="0" smtClean="0"/>
-              <a:t>所有車子能向指定方向移動</a:t>
+              <a:t>。</a:t>
             </a:r>
             <a:endParaRPr kumimoji="1" lang="en-US" altLang="zh-TW" dirty="0" smtClean="0"/>
           </a:p>
@@ -4836,12 +5000,20 @@
               <a:t>青蛙進入池</a:t>
             </a:r>
             <a:r>
-              <a:rPr kumimoji="1" lang="zh-TW" altLang="en-US" dirty="0"/>
+              <a:rPr kumimoji="1" lang="zh-TW" altLang="en-US" dirty="0" smtClean="0"/>
               <a:t>塘</a:t>
             </a:r>
             <a:r>
               <a:rPr kumimoji="1" lang="zh-TW" altLang="en-US" dirty="0" smtClean="0"/>
-              <a:t>，遊戲進入</a:t>
+              <a:t>時</a:t>
+            </a:r>
+            <a:r>
+              <a:rPr kumimoji="1" lang="zh-TW" altLang="en-US" dirty="0" smtClean="0"/>
+              <a:t>，</a:t>
+            </a:r>
+            <a:r>
+              <a:rPr kumimoji="1" lang="zh-TW" altLang="en-US" dirty="0" smtClean="0"/>
+              <a:t>遊戲進入</a:t>
             </a:r>
             <a:r>
               <a:rPr kumimoji="1" lang="en-US" altLang="zh-TW" dirty="0" smtClean="0"/>
@@ -4881,7 +5053,15 @@
             </a:r>
             <a:r>
               <a:rPr kumimoji="1" lang="zh-TW" altLang="en-US" dirty="0" smtClean="0"/>
-              <a:t>完整控制遊戲流程</a:t>
+              <a:t>完整控制遊戲流</a:t>
+            </a:r>
+            <a:r>
+              <a:rPr kumimoji="1" lang="zh-TW" altLang="en-US" dirty="0" smtClean="0"/>
+              <a:t>程</a:t>
+            </a:r>
+            <a:r>
+              <a:rPr kumimoji="1" lang="zh-TW" altLang="en-US" dirty="0" smtClean="0"/>
+              <a:t>。</a:t>
             </a:r>
             <a:r>
               <a:rPr kumimoji="1" lang="en-US" altLang="zh-TW" dirty="0" smtClean="0"/>
@@ -4896,11 +5076,37 @@
             </a:r>
             <a:r>
               <a:rPr kumimoji="1" lang="en-US" altLang="zh-TW" dirty="0" smtClean="0"/>
-              <a:t>GAME FLOW</a:t>
+              <a:t>GAME </a:t>
+            </a:r>
+            <a:r>
+              <a:rPr kumimoji="1" lang="en-US" altLang="zh-TW" dirty="0" smtClean="0"/>
+              <a:t>FLOW</a:t>
+            </a:r>
+            <a:r>
+              <a:rPr kumimoji="1" lang="zh-TW" altLang="en-US" dirty="0" smtClean="0"/>
+              <a:t>所示</a:t>
             </a:r>
             <a:r>
               <a:rPr kumimoji="1" lang="zh-TW" altLang="en-US" dirty="0" smtClean="0"/>
               <a:t>）</a:t>
+            </a:r>
+            <a:endParaRPr kumimoji="1" lang="en-US" altLang="zh-TW" dirty="0" smtClean="0"/>
+          </a:p>
+          <a:p>
+            <a:pPr marL="722313" indent="-722313">
+              <a:buNone/>
+            </a:pPr>
+            <a:r>
+              <a:rPr kumimoji="1" lang="zh-TW" altLang="en-US" dirty="0" smtClean="0"/>
+              <a:t>　</a:t>
+            </a:r>
+            <a:r>
+              <a:rPr kumimoji="1" lang="en-US" altLang="zh-TW" dirty="0" smtClean="0"/>
+              <a:t>2. </a:t>
+            </a:r>
+            <a:r>
+              <a:rPr kumimoji="1" lang="zh-TW" altLang="en-US" dirty="0" smtClean="0"/>
+              <a:t>四台車車速不同。</a:t>
             </a:r>
             <a:endParaRPr kumimoji="1" lang="zh-TW" altLang="en-US" dirty="0"/>
           </a:p>
@@ -5318,7 +5524,7 @@
         <p:spPr>
           <a:xfrm>
             <a:off x="173789" y="5226533"/>
-            <a:ext cx="8742947" cy="1200329"/>
+            <a:ext cx="8742947" cy="1477328"/>
           </a:xfrm>
           <a:prstGeom prst="rect">
             <a:avLst/>
@@ -5368,7 +5574,30 @@
             </a:r>
             <a:r>
               <a:rPr kumimoji="1" lang="zh-TW" altLang="en-US" dirty="0" smtClean="0"/>
-              <a:t>皆在此</a:t>
+              <a:t>皆在</a:t>
+            </a:r>
+            <a:r>
+              <a:rPr kumimoji="1" lang="zh-TW" altLang="en-US" dirty="0" smtClean="0"/>
+              <a:t>此</a:t>
+            </a:r>
+            <a:endParaRPr kumimoji="1" lang="en-US" altLang="zh-TW" dirty="0" smtClean="0"/>
+          </a:p>
+          <a:p>
+            <a:r>
+              <a:rPr kumimoji="1" lang="en-US" altLang="zh-TW" dirty="0" smtClean="0"/>
+              <a:t>FROG_DIE       :  </a:t>
+            </a:r>
+            <a:r>
+              <a:rPr kumimoji="1" lang="zh-TW" altLang="en-US" dirty="0" smtClean="0"/>
+              <a:t>青蛙被撞時，</a:t>
+            </a:r>
+            <a:r>
+              <a:rPr kumimoji="1" lang="en-US" altLang="zh-TW" dirty="0" smtClean="0"/>
+              <a:t>delay 1</a:t>
+            </a:r>
+            <a:r>
+              <a:rPr kumimoji="1" lang="zh-TW" altLang="en-US" dirty="0" smtClean="0"/>
+              <a:t>秒後繼續遊戲</a:t>
             </a:r>
             <a:endParaRPr kumimoji="1" lang="en-US" altLang="zh-TW" dirty="0" smtClean="0"/>
           </a:p>
